--- a/algo/Optimal computation of avoided words.pptx
+++ b/algo/Optimal computation of avoided words.pptx
@@ -2,7 +2,7 @@
 <file path=ppt/presentation.xml><?xml version="1.0" encoding="utf-8"?>
 <p:presentation xmlns:a="http://schemas.openxmlformats.org/drawingml/2006/main" xmlns:r="http://schemas.openxmlformats.org/officeDocument/2006/relationships" xmlns:p="http://schemas.openxmlformats.org/presentationml/2006/main" saveSubsetFonts="1">
   <p:sldMasterIdLst>
-    <p:sldMasterId id="2147483821" r:id="rId1"/>
+    <p:sldMasterId id="2147483907" r:id="rId1"/>
   </p:sldMasterIdLst>
   <p:sldIdLst>
     <p:sldId id="256" r:id="rId2"/>
@@ -122,6 +122,11 @@
     <p:ext uri="{EFAFB233-063F-42B5-8137-9DF3F51BA10A}">
       <p15:sldGuideLst xmlns:p15="http://schemas.microsoft.com/office/powerpoint/2012/main">
         <p15:guide id="1" orient="horz" pos="2160" userDrawn="1">
+          <p15:clr>
+            <a:srgbClr val="A4A3A4"/>
+          </p15:clr>
+        </p15:guide>
+        <p15:guide id="2" pos="3840">
           <p15:clr>
             <a:srgbClr val="A4A3A4"/>
           </p15:clr>
@@ -854,7 +859,7 @@
           <a:p>
             <a:fld id="{AB951B5E-C819-46AE-B6EA-637D301869B1}" type="datetimeFigureOut">
               <a:rPr lang="en-US" smtClean="0"/>
-              <a:t>5/28/2017</a:t>
+              <a:t>5/29/2017</a:t>
             </a:fld>
             <a:endParaRPr lang="en-US"/>
           </a:p>
@@ -905,7 +910,7 @@
     </p:spTree>
     <p:extLst>
       <p:ext uri="{BB962C8B-B14F-4D97-AF65-F5344CB8AC3E}">
-        <p14:creationId xmlns:p14="http://schemas.microsoft.com/office/powerpoint/2010/main" val="3978733939"/>
+        <p14:creationId xmlns:p14="http://schemas.microsoft.com/office/powerpoint/2010/main" val="3355694451"/>
       </p:ext>
     </p:extLst>
   </p:cSld>
@@ -1105,7 +1110,7 @@
           <a:p>
             <a:fld id="{AB951B5E-C819-46AE-B6EA-637D301869B1}" type="datetimeFigureOut">
               <a:rPr lang="en-US" smtClean="0"/>
-              <a:t>5/28/2017</a:t>
+              <a:t>5/29/2017</a:t>
             </a:fld>
             <a:endParaRPr lang="en-US"/>
           </a:p>
@@ -1156,7 +1161,7 @@
     </p:spTree>
     <p:extLst>
       <p:ext uri="{BB962C8B-B14F-4D97-AF65-F5344CB8AC3E}">
-        <p14:creationId xmlns:p14="http://schemas.microsoft.com/office/powerpoint/2010/main" val="244039392"/>
+        <p14:creationId xmlns:p14="http://schemas.microsoft.com/office/powerpoint/2010/main" val="3592355125"/>
       </p:ext>
     </p:extLst>
   </p:cSld>
@@ -1419,7 +1424,7 @@
           <a:p>
             <a:fld id="{AB951B5E-C819-46AE-B6EA-637D301869B1}" type="datetimeFigureOut">
               <a:rPr lang="en-US" smtClean="0"/>
-              <a:t>5/28/2017</a:t>
+              <a:t>5/29/2017</a:t>
             </a:fld>
             <a:endParaRPr lang="en-US"/>
           </a:p>
@@ -1560,7 +1565,7 @@
     </p:spTree>
     <p:extLst>
       <p:ext uri="{BB962C8B-B14F-4D97-AF65-F5344CB8AC3E}">
-        <p14:creationId xmlns:p14="http://schemas.microsoft.com/office/powerpoint/2010/main" val="1498240063"/>
+        <p14:creationId xmlns:p14="http://schemas.microsoft.com/office/powerpoint/2010/main" val="2916819150"/>
       </p:ext>
     </p:extLst>
   </p:cSld>
@@ -1760,7 +1765,7 @@
           <a:p>
             <a:fld id="{AB951B5E-C819-46AE-B6EA-637D301869B1}" type="datetimeFigureOut">
               <a:rPr lang="en-US" smtClean="0"/>
-              <a:t>5/28/2017</a:t>
+              <a:t>5/29/2017</a:t>
             </a:fld>
             <a:endParaRPr lang="en-US"/>
           </a:p>
@@ -1811,7 +1816,7 @@
     </p:spTree>
     <p:extLst>
       <p:ext uri="{BB962C8B-B14F-4D97-AF65-F5344CB8AC3E}">
-        <p14:creationId xmlns:p14="http://schemas.microsoft.com/office/powerpoint/2010/main" val="2244812480"/>
+        <p14:creationId xmlns:p14="http://schemas.microsoft.com/office/powerpoint/2010/main" val="3913148882"/>
       </p:ext>
     </p:extLst>
   </p:cSld>
@@ -2074,7 +2079,7 @@
           <a:p>
             <a:fld id="{AB951B5E-C819-46AE-B6EA-637D301869B1}" type="datetimeFigureOut">
               <a:rPr lang="en-US" smtClean="0"/>
-              <a:t>5/28/2017</a:t>
+              <a:t>5/29/2017</a:t>
             </a:fld>
             <a:endParaRPr lang="en-US"/>
           </a:p>
@@ -2207,7 +2212,7 @@
     </p:spTree>
     <p:extLst>
       <p:ext uri="{BB962C8B-B14F-4D97-AF65-F5344CB8AC3E}">
-        <p14:creationId xmlns:p14="http://schemas.microsoft.com/office/powerpoint/2010/main" val="3002814838"/>
+        <p14:creationId xmlns:p14="http://schemas.microsoft.com/office/powerpoint/2010/main" val="144341135"/>
       </p:ext>
     </p:extLst>
   </p:cSld>
@@ -2467,7 +2472,7 @@
           <a:p>
             <a:fld id="{AB951B5E-C819-46AE-B6EA-637D301869B1}" type="datetimeFigureOut">
               <a:rPr lang="en-US" smtClean="0"/>
-              <a:t>5/28/2017</a:t>
+              <a:t>5/29/2017</a:t>
             </a:fld>
             <a:endParaRPr lang="en-US"/>
           </a:p>
@@ -2518,7 +2523,7 @@
     </p:spTree>
     <p:extLst>
       <p:ext uri="{BB962C8B-B14F-4D97-AF65-F5344CB8AC3E}">
-        <p14:creationId xmlns:p14="http://schemas.microsoft.com/office/powerpoint/2010/main" val="384895085"/>
+        <p14:creationId xmlns:p14="http://schemas.microsoft.com/office/powerpoint/2010/main" val="4155993721"/>
       </p:ext>
     </p:extLst>
   </p:cSld>
@@ -2637,7 +2642,7 @@
           <a:p>
             <a:fld id="{AB951B5E-C819-46AE-B6EA-637D301869B1}" type="datetimeFigureOut">
               <a:rPr lang="en-US" smtClean="0"/>
-              <a:t>5/28/2017</a:t>
+              <a:t>5/29/2017</a:t>
             </a:fld>
             <a:endParaRPr lang="en-US"/>
           </a:p>
@@ -2688,7 +2693,7 @@
     </p:spTree>
     <p:extLst>
       <p:ext uri="{BB962C8B-B14F-4D97-AF65-F5344CB8AC3E}">
-        <p14:creationId xmlns:p14="http://schemas.microsoft.com/office/powerpoint/2010/main" val="3908919632"/>
+        <p14:creationId xmlns:p14="http://schemas.microsoft.com/office/powerpoint/2010/main" val="323581342"/>
       </p:ext>
     </p:extLst>
   </p:cSld>
@@ -2817,7 +2822,7 @@
           <a:p>
             <a:fld id="{AB951B5E-C819-46AE-B6EA-637D301869B1}" type="datetimeFigureOut">
               <a:rPr lang="en-US" smtClean="0"/>
-              <a:t>5/28/2017</a:t>
+              <a:t>5/29/2017</a:t>
             </a:fld>
             <a:endParaRPr lang="en-US"/>
           </a:p>
@@ -2868,7 +2873,7 @@
     </p:spTree>
     <p:extLst>
       <p:ext uri="{BB962C8B-B14F-4D97-AF65-F5344CB8AC3E}">
-        <p14:creationId xmlns:p14="http://schemas.microsoft.com/office/powerpoint/2010/main" val="23907192"/>
+        <p14:creationId xmlns:p14="http://schemas.microsoft.com/office/powerpoint/2010/main" val="2580635937"/>
       </p:ext>
     </p:extLst>
   </p:cSld>
@@ -2993,7 +2998,7 @@
           <a:p>
             <a:fld id="{AB951B5E-C819-46AE-B6EA-637D301869B1}" type="datetimeFigureOut">
               <a:rPr lang="en-US" smtClean="0"/>
-              <a:t>5/28/2017</a:t>
+              <a:t>5/29/2017</a:t>
             </a:fld>
             <a:endParaRPr lang="en-US"/>
           </a:p>
@@ -3044,7 +3049,7 @@
     </p:spTree>
     <p:extLst>
       <p:ext uri="{BB962C8B-B14F-4D97-AF65-F5344CB8AC3E}">
-        <p14:creationId xmlns:p14="http://schemas.microsoft.com/office/powerpoint/2010/main" val="631817489"/>
+        <p14:creationId xmlns:p14="http://schemas.microsoft.com/office/powerpoint/2010/main" val="3145451437"/>
       </p:ext>
     </p:extLst>
   </p:cSld>
@@ -3240,7 +3245,7 @@
           <a:p>
             <a:fld id="{AB951B5E-C819-46AE-B6EA-637D301869B1}" type="datetimeFigureOut">
               <a:rPr lang="en-US" smtClean="0"/>
-              <a:t>5/28/2017</a:t>
+              <a:t>5/29/2017</a:t>
             </a:fld>
             <a:endParaRPr lang="en-US"/>
           </a:p>
@@ -3291,7 +3296,7 @@
     </p:spTree>
     <p:extLst>
       <p:ext uri="{BB962C8B-B14F-4D97-AF65-F5344CB8AC3E}">
-        <p14:creationId xmlns:p14="http://schemas.microsoft.com/office/powerpoint/2010/main" val="1417532286"/>
+        <p14:creationId xmlns:p14="http://schemas.microsoft.com/office/powerpoint/2010/main" val="3924352505"/>
       </p:ext>
     </p:extLst>
   </p:cSld>
@@ -3472,7 +3477,7 @@
           <a:p>
             <a:fld id="{AB951B5E-C819-46AE-B6EA-637D301869B1}" type="datetimeFigureOut">
               <a:rPr lang="en-US" smtClean="0"/>
-              <a:t>5/28/2017</a:t>
+              <a:t>5/29/2017</a:t>
             </a:fld>
             <a:endParaRPr lang="en-US"/>
           </a:p>
@@ -3523,7 +3528,7 @@
     </p:spTree>
     <p:extLst>
       <p:ext uri="{BB962C8B-B14F-4D97-AF65-F5344CB8AC3E}">
-        <p14:creationId xmlns:p14="http://schemas.microsoft.com/office/powerpoint/2010/main" val="2910560391"/>
+        <p14:creationId xmlns:p14="http://schemas.microsoft.com/office/powerpoint/2010/main" val="2833033230"/>
       </p:ext>
     </p:extLst>
   </p:cSld>
@@ -3846,7 +3851,7 @@
           <a:p>
             <a:fld id="{AB951B5E-C819-46AE-B6EA-637D301869B1}" type="datetimeFigureOut">
               <a:rPr lang="en-US" smtClean="0"/>
-              <a:t>5/28/2017</a:t>
+              <a:t>5/29/2017</a:t>
             </a:fld>
             <a:endParaRPr lang="en-US"/>
           </a:p>
@@ -3897,7 +3902,7 @@
     </p:spTree>
     <p:extLst>
       <p:ext uri="{BB962C8B-B14F-4D97-AF65-F5344CB8AC3E}">
-        <p14:creationId xmlns:p14="http://schemas.microsoft.com/office/powerpoint/2010/main" val="1687798366"/>
+        <p14:creationId xmlns:p14="http://schemas.microsoft.com/office/powerpoint/2010/main" val="2692084908"/>
       </p:ext>
     </p:extLst>
   </p:cSld>
@@ -3969,7 +3974,7 @@
           <a:p>
             <a:fld id="{AB951B5E-C819-46AE-B6EA-637D301869B1}" type="datetimeFigureOut">
               <a:rPr lang="en-US" smtClean="0"/>
-              <a:t>5/28/2017</a:t>
+              <a:t>5/29/2017</a:t>
             </a:fld>
             <a:endParaRPr lang="en-US"/>
           </a:p>
@@ -4020,7 +4025,7 @@
     </p:spTree>
     <p:extLst>
       <p:ext uri="{BB962C8B-B14F-4D97-AF65-F5344CB8AC3E}">
-        <p14:creationId xmlns:p14="http://schemas.microsoft.com/office/powerpoint/2010/main" val="1408617889"/>
+        <p14:creationId xmlns:p14="http://schemas.microsoft.com/office/powerpoint/2010/main" val="1963081933"/>
       </p:ext>
     </p:extLst>
   </p:cSld>
@@ -4064,7 +4069,7 @@
           <a:p>
             <a:fld id="{AB951B5E-C819-46AE-B6EA-637D301869B1}" type="datetimeFigureOut">
               <a:rPr lang="en-US" smtClean="0"/>
-              <a:t>5/28/2017</a:t>
+              <a:t>5/29/2017</a:t>
             </a:fld>
             <a:endParaRPr lang="en-US"/>
           </a:p>
@@ -4115,7 +4120,7 @@
     </p:spTree>
     <p:extLst>
       <p:ext uri="{BB962C8B-B14F-4D97-AF65-F5344CB8AC3E}">
-        <p14:creationId xmlns:p14="http://schemas.microsoft.com/office/powerpoint/2010/main" val="3597594669"/>
+        <p14:creationId xmlns:p14="http://schemas.microsoft.com/office/powerpoint/2010/main" val="1648479210"/>
       </p:ext>
     </p:extLst>
   </p:cSld>
@@ -4319,7 +4324,7 @@
           <a:p>
             <a:fld id="{AB951B5E-C819-46AE-B6EA-637D301869B1}" type="datetimeFigureOut">
               <a:rPr lang="en-US" smtClean="0"/>
-              <a:t>5/28/2017</a:t>
+              <a:t>5/29/2017</a:t>
             </a:fld>
             <a:endParaRPr lang="en-US"/>
           </a:p>
@@ -4370,7 +4375,7 @@
     </p:spTree>
     <p:extLst>
       <p:ext uri="{BB962C8B-B14F-4D97-AF65-F5344CB8AC3E}">
-        <p14:creationId xmlns:p14="http://schemas.microsoft.com/office/powerpoint/2010/main" val="3091609192"/>
+        <p14:creationId xmlns:p14="http://schemas.microsoft.com/office/powerpoint/2010/main" val="1502002452"/>
       </p:ext>
     </p:extLst>
   </p:cSld>
@@ -4582,7 +4587,7 @@
           <a:p>
             <a:fld id="{AB951B5E-C819-46AE-B6EA-637D301869B1}" type="datetimeFigureOut">
               <a:rPr lang="en-US" smtClean="0"/>
-              <a:t>5/28/2017</a:t>
+              <a:t>5/29/2017</a:t>
             </a:fld>
             <a:endParaRPr lang="en-US"/>
           </a:p>
@@ -4603,7 +4608,7 @@
           <a:bodyPr/>
           <a:lstStyle/>
           <a:p>
-            <a:endParaRPr lang="en-US"/>
+            <a:endParaRPr lang="en-US" dirty="0"/>
           </a:p>
         </p:txBody>
       </p:sp>
@@ -4633,7 +4638,7 @@
     </p:spTree>
     <p:extLst>
       <p:ext uri="{BB962C8B-B14F-4D97-AF65-F5344CB8AC3E}">
-        <p14:creationId xmlns:p14="http://schemas.microsoft.com/office/powerpoint/2010/main" val="2426509251"/>
+        <p14:creationId xmlns:p14="http://schemas.microsoft.com/office/powerpoint/2010/main" val="3072191081"/>
       </p:ext>
     </p:extLst>
   </p:cSld>
@@ -5325,7 +5330,7 @@
           <a:p>
             <a:fld id="{AB951B5E-C819-46AE-B6EA-637D301869B1}" type="datetimeFigureOut">
               <a:rPr lang="en-US" smtClean="0"/>
-              <a:t>5/28/2017</a:t>
+              <a:t>5/29/2017</a:t>
             </a:fld>
             <a:endParaRPr lang="en-US"/>
           </a:p>
@@ -5410,28 +5415,28 @@
     </p:spTree>
     <p:extLst>
       <p:ext uri="{BB962C8B-B14F-4D97-AF65-F5344CB8AC3E}">
-        <p14:creationId xmlns:p14="http://schemas.microsoft.com/office/powerpoint/2010/main" val="1051702153"/>
+        <p14:creationId xmlns:p14="http://schemas.microsoft.com/office/powerpoint/2010/main" val="3222757027"/>
       </p:ext>
     </p:extLst>
   </p:cSld>
   <p:clrMap bg1="lt1" tx1="dk1" bg2="lt2" tx2="dk2" accent1="accent1" accent2="accent2" accent3="accent3" accent4="accent4" accent5="accent5" accent6="accent6" hlink="hlink" folHlink="folHlink"/>
   <p:sldLayoutIdLst>
-    <p:sldLayoutId id="2147483822" r:id="rId1"/>
-    <p:sldLayoutId id="2147483823" r:id="rId2"/>
-    <p:sldLayoutId id="2147483824" r:id="rId3"/>
-    <p:sldLayoutId id="2147483825" r:id="rId4"/>
-    <p:sldLayoutId id="2147483826" r:id="rId5"/>
-    <p:sldLayoutId id="2147483827" r:id="rId6"/>
-    <p:sldLayoutId id="2147483828" r:id="rId7"/>
-    <p:sldLayoutId id="2147483829" r:id="rId8"/>
-    <p:sldLayoutId id="2147483830" r:id="rId9"/>
-    <p:sldLayoutId id="2147483831" r:id="rId10"/>
-    <p:sldLayoutId id="2147483832" r:id="rId11"/>
-    <p:sldLayoutId id="2147483833" r:id="rId12"/>
-    <p:sldLayoutId id="2147483834" r:id="rId13"/>
-    <p:sldLayoutId id="2147483835" r:id="rId14"/>
-    <p:sldLayoutId id="2147483836" r:id="rId15"/>
-    <p:sldLayoutId id="2147483837" r:id="rId16"/>
+    <p:sldLayoutId id="2147483908" r:id="rId1"/>
+    <p:sldLayoutId id="2147483909" r:id="rId2"/>
+    <p:sldLayoutId id="2147483910" r:id="rId3"/>
+    <p:sldLayoutId id="2147483911" r:id="rId4"/>
+    <p:sldLayoutId id="2147483912" r:id="rId5"/>
+    <p:sldLayoutId id="2147483913" r:id="rId6"/>
+    <p:sldLayoutId id="2147483914" r:id="rId7"/>
+    <p:sldLayoutId id="2147483915" r:id="rId8"/>
+    <p:sldLayoutId id="2147483916" r:id="rId9"/>
+    <p:sldLayoutId id="2147483917" r:id="rId10"/>
+    <p:sldLayoutId id="2147483918" r:id="rId11"/>
+    <p:sldLayoutId id="2147483919" r:id="rId12"/>
+    <p:sldLayoutId id="2147483920" r:id="rId13"/>
+    <p:sldLayoutId id="2147483921" r:id="rId14"/>
+    <p:sldLayoutId id="2147483922" r:id="rId15"/>
+    <p:sldLayoutId id="2147483923" r:id="rId16"/>
   </p:sldLayoutIdLst>
   <p:txStyles>
     <p:titleStyle>
@@ -5829,6 +5834,11 @@
       </a:lvl9pPr>
     </p:otherStyle>
   </p:txStyles>
+  <p:extLst>
+    <p:ext uri="{27BBF7A9-308A-43DC-89C8-2F10F3537804}">
+      <p15:sldGuideLst xmlns:p15="http://schemas.microsoft.com/office/powerpoint/2012/main"/>
+    </p:ext>
+  </p:extLst>
 </p:sldMaster>
 </file>
 
@@ -5861,18 +5871,18 @@
         </p:nvSpPr>
         <p:spPr>
           <a:xfrm>
-            <a:off x="1507067" y="1081178"/>
-            <a:ext cx="7815212" cy="2461404"/>
+            <a:off x="1104181" y="1282890"/>
+            <a:ext cx="8060291" cy="2259692"/>
           </a:xfrm>
         </p:spPr>
         <p:txBody>
           <a:bodyPr>
-            <a:normAutofit/>
+            <a:normAutofit fontScale="90000"/>
           </a:bodyPr>
           <a:lstStyle/>
           <a:p>
             <a:r>
-              <a:rPr lang="en-US" dirty="0"/>
+              <a:rPr lang="en-US" sz="7200" dirty="0"/>
               <a:t>Optimal computation of avoided words</a:t>
             </a:r>
           </a:p>
@@ -5890,8 +5900,8 @@
         </p:nvSpPr>
         <p:spPr>
           <a:xfrm>
-            <a:off x="1104181" y="4295955"/>
-            <a:ext cx="8120332" cy="1253705"/>
+            <a:off x="1104181" y="4633415"/>
+            <a:ext cx="8120332" cy="1187355"/>
           </a:xfrm>
         </p:spPr>
         <p:txBody>
@@ -6194,37 +6204,118 @@
             <p:ph type="title"/>
           </p:nvPr>
         </p:nvSpPr>
-        <p:spPr/>
+        <p:spPr>
+          <a:xfrm>
+            <a:off x="677333" y="361666"/>
+            <a:ext cx="9415185" cy="1568734"/>
+          </a:xfrm>
+        </p:spPr>
+        <p:txBody>
+          <a:bodyPr>
+            <a:normAutofit fontScale="90000"/>
+          </a:bodyPr>
+          <a:lstStyle/>
+          <a:p>
+            <a:r>
+              <a:rPr lang="en-US" dirty="0"/>
+              <a:t>Applications </a:t>
+            </a:r>
+            <a:br>
+              <a:rPr lang="en-US" dirty="0"/>
+            </a:br>
+            <a:r>
+              <a:rPr lang="en-US" dirty="0"/>
+              <a:t>Building phylogeny with minimal absent words </a:t>
+            </a:r>
+          </a:p>
+        </p:txBody>
+      </p:sp>
+      <p:sp>
+        <p:nvSpPr>
+          <p:cNvPr id="3" name="Content Placeholder 2"/>
+          <p:cNvSpPr>
+            <a:spLocks noGrp="1"/>
+          </p:cNvSpPr>
+          <p:nvPr>
+            <p:ph idx="1"/>
+          </p:nvPr>
+        </p:nvSpPr>
+        <p:spPr>
+          <a:xfrm>
+            <a:off x="677334" y="2160589"/>
+            <a:ext cx="4901081" cy="3880773"/>
+          </a:xfrm>
+        </p:spPr>
         <p:txBody>
           <a:bodyPr/>
           <a:lstStyle/>
           <a:p>
             <a:r>
               <a:rPr lang="en-US" dirty="0"/>
-              <a:t>Correctness </a:t>
-            </a:r>
-          </a:p>
-        </p:txBody>
-      </p:sp>
-      <p:sp>
-        <p:nvSpPr>
-          <p:cNvPr id="3" name="Content Placeholder 2"/>
-          <p:cNvSpPr>
-            <a:spLocks noGrp="1"/>
-          </p:cNvSpPr>
-          <p:nvPr>
-            <p:ph idx="1"/>
-          </p:nvPr>
-        </p:nvSpPr>
-        <p:spPr/>
-        <p:txBody>
-          <a:bodyPr/>
-          <a:lstStyle/>
-          <a:p>
-            <a:endParaRPr lang="en-US"/>
-          </a:p>
-        </p:txBody>
-      </p:sp>
+              <a:t>Absent words</a:t>
+            </a:r>
+          </a:p>
+          <a:p>
+            <a:pPr lvl="1"/>
+            <a:r>
+              <a:rPr lang="en-US" dirty="0"/>
+              <a:t>Negative selection</a:t>
+            </a:r>
+          </a:p>
+          <a:p>
+            <a:pPr lvl="1"/>
+            <a:r>
+              <a:rPr lang="en-US" dirty="0"/>
+              <a:t>Sequence evolution/ comparative genomics / genetic engineering</a:t>
+            </a:r>
+          </a:p>
+          <a:p>
+            <a:pPr marL="342900" lvl="1" indent="-342900"/>
+            <a:r>
+              <a:rPr lang="en-US" dirty="0"/>
+              <a:t>Length-weighted index to compute the similarity/dissimilarity between sequences based on the minimal absent words</a:t>
+            </a:r>
+          </a:p>
+          <a:p>
+            <a:pPr marL="342900" lvl="1" indent="-342900"/>
+            <a:r>
+              <a:rPr lang="en-US" dirty="0"/>
+              <a:t>Technique applied to the first axon of B globin -&gt; phylogeny of 11 organisms</a:t>
+            </a:r>
+          </a:p>
+          <a:p>
+            <a:endParaRPr lang="en-US" dirty="0"/>
+          </a:p>
+          <a:p>
+            <a:pPr lvl="1"/>
+            <a:endParaRPr lang="en-US" dirty="0"/>
+          </a:p>
+        </p:txBody>
+      </p:sp>
+      <p:pic>
+        <p:nvPicPr>
+          <p:cNvPr id="4" name="Picture 3"/>
+          <p:cNvPicPr>
+            <a:picLocks noChangeAspect="1"/>
+          </p:cNvPicPr>
+          <p:nvPr/>
+        </p:nvPicPr>
+        <p:blipFill>
+          <a:blip r:embed="rId2"/>
+          <a:stretch>
+            <a:fillRect/>
+          </a:stretch>
+        </p:blipFill>
+        <p:spPr>
+          <a:xfrm>
+            <a:off x="5341100" y="1684843"/>
+            <a:ext cx="4080834" cy="4356519"/>
+          </a:xfrm>
+          <a:prstGeom prst="rect">
+            <a:avLst/>
+          </a:prstGeom>
+        </p:spPr>
+      </p:pic>
     </p:spTree>
     <p:extLst>
       <p:ext uri="{BB962C8B-B14F-4D97-AF65-F5344CB8AC3E}">
@@ -6272,8 +6363,20 @@
           <a:p>
             <a:r>
               <a:rPr lang="en-US" dirty="0"/>
-              <a:t>Critique</a:t>
-            </a:r>
+              <a:t>Applications</a:t>
+            </a:r>
+            <a:br>
+              <a:rPr lang="en-US" dirty="0"/>
+            </a:br>
+            <a:r>
+              <a:rPr lang="en-US" dirty="0"/>
+              <a:t>Data compression using </a:t>
+            </a:r>
+            <a:r>
+              <a:rPr lang="en-US" dirty="0" err="1"/>
+              <a:t>antidictionaries</a:t>
+            </a:r>
+            <a:endParaRPr lang="en-US" dirty="0"/>
           </a:p>
         </p:txBody>
       </p:sp>
@@ -6292,7 +6395,60 @@
           <a:bodyPr/>
           <a:lstStyle/>
           <a:p>
-            <a:endParaRPr lang="en-US"/>
+            <a:pPr marL="0" indent="0">
+              <a:buNone/>
+            </a:pPr>
+            <a:r>
+              <a:rPr lang="en-US" dirty="0"/>
+              <a:t>When processing </a:t>
+            </a:r>
+            <a:r>
+              <a:rPr lang="en-US" dirty="0" err="1"/>
+              <a:t>i-th</a:t>
+            </a:r>
+            <a:r>
+              <a:rPr lang="en-US" dirty="0"/>
+              <a:t> letter of input and there is a word v[1..n] in </a:t>
+            </a:r>
+            <a:r>
+              <a:rPr lang="en-US" dirty="0" err="1"/>
+              <a:t>antidictionary</a:t>
+            </a:r>
+            <a:r>
+              <a:rPr lang="en-US" dirty="0"/>
+              <a:t>, that v[1..n-1] is a suffix of previously processed input, we don't need to code </a:t>
+            </a:r>
+            <a:r>
+              <a:rPr lang="en-US" dirty="0" err="1"/>
+              <a:t>i-th</a:t>
+            </a:r>
+            <a:r>
+              <a:rPr lang="en-US" dirty="0"/>
+              <a:t> letter into output, because (when decoding) we can find that letter with a help of the suffix and the </a:t>
+            </a:r>
+            <a:r>
+              <a:rPr lang="en-US" dirty="0" err="1"/>
+              <a:t>antidictionary</a:t>
+            </a:r>
+            <a:r>
+              <a:rPr lang="en-US" dirty="0"/>
+              <a:t>. </a:t>
+            </a:r>
+          </a:p>
+          <a:p>
+            <a:pPr marL="0" indent="0">
+              <a:buNone/>
+            </a:pPr>
+            <a:endParaRPr lang="en-US" dirty="0"/>
+          </a:p>
+          <a:p>
+            <a:pPr marL="0" indent="0">
+              <a:buNone/>
+            </a:pPr>
+            <a:r>
+              <a:rPr lang="en-US" dirty="0"/>
+              <a:t>Other input letters are normally copied to output.</a:t>
+            </a:r>
           </a:p>
         </p:txBody>
       </p:sp>
@@ -6435,8 +6591,69 @@
           <a:lstStyle/>
           <a:p>
             <a:r>
+              <a:rPr lang="en-US" dirty="0">
+                <a:hlinkClick r:id="rId2"/>
+              </a:rPr>
+              <a:t>https://almob.biomedcentral.com/articles/10.1186/s13015-017-0094-z</a:t>
+            </a:r>
+            <a:endParaRPr lang="en-US" dirty="0"/>
+          </a:p>
+          <a:p>
+            <a:r>
               <a:rPr lang="en-US" dirty="0"/>
-              <a:t>https://almob.biomedcentral.com/articles/10.1186/s13015-017-0094-z</a:t>
+              <a:t>Building Phylogeny with Minimal Absent Words </a:t>
+            </a:r>
+            <a:r>
+              <a:rPr lang="en-US" dirty="0">
+                <a:hlinkClick r:id="rId3"/>
+              </a:rPr>
+              <a:t>https://link.springer.com/chapter/10.1007/978-3-642-22256-6_10</a:t>
+            </a:r>
+            <a:endParaRPr lang="en-US" dirty="0"/>
+          </a:p>
+          <a:p>
+            <a:r>
+              <a:rPr lang="en-US" dirty="0"/>
+              <a:t>Data compression using </a:t>
+            </a:r>
+            <a:r>
+              <a:rPr lang="en-US" dirty="0" err="1"/>
+              <a:t>antidictionaries</a:t>
+            </a:r>
+            <a:endParaRPr lang="en-US" dirty="0"/>
+          </a:p>
+          <a:p>
+            <a:pPr marL="0" indent="0">
+              <a:buNone/>
+            </a:pPr>
+            <a:r>
+              <a:rPr lang="en-US" dirty="0"/>
+              <a:t> </a:t>
+            </a:r>
+            <a:r>
+              <a:rPr lang="en-US" dirty="0">
+                <a:hlinkClick r:id="rId4"/>
+              </a:rPr>
+              <a:t>http://www.stringology.org/DataCompression/dca/index_en.html</a:t>
+            </a:r>
+            <a:r>
+              <a:rPr lang="en-US" dirty="0"/>
+              <a:t> </a:t>
+            </a:r>
+          </a:p>
+          <a:p>
+            <a:pPr marL="0" indent="0">
+              <a:buNone/>
+            </a:pPr>
+            <a:r>
+              <a:rPr lang="en-US" dirty="0">
+                <a:hlinkClick r:id="rId5"/>
+              </a:rPr>
+              <a:t>https://hal.inria.fr/file/index/docid/619991/filename/9806-TC.pdf</a:t>
+            </a:r>
+            <a:r>
+              <a:rPr lang="en-US" dirty="0"/>
+              <a:t> </a:t>
             </a:r>
           </a:p>
         </p:txBody>
@@ -6484,11 +6701,13 @@
         <p:spPr>
           <a:xfrm>
             <a:off x="677334" y="609600"/>
-            <a:ext cx="10404734" cy="1320800"/>
+            <a:ext cx="10404734" cy="1137313"/>
           </a:xfrm>
         </p:spPr>
         <p:txBody>
-          <a:bodyPr/>
+          <a:bodyPr>
+            <a:normAutofit/>
+          </a:bodyPr>
           <a:lstStyle/>
           <a:p>
             <a:r>
@@ -6612,7 +6831,12 @@
             <p:ph type="title"/>
           </p:nvPr>
         </p:nvSpPr>
-        <p:spPr/>
+        <p:spPr>
+          <a:xfrm>
+            <a:off x="1069848" y="225188"/>
+            <a:ext cx="10058400" cy="1166884"/>
+          </a:xfrm>
+        </p:spPr>
         <p:txBody>
           <a:bodyPr/>
           <a:lstStyle/>
@@ -6641,12 +6865,14 @@
           </a:xfrm>
         </p:spPr>
         <p:txBody>
-          <a:bodyPr/>
+          <a:bodyPr>
+            <a:normAutofit lnSpcReduction="10000"/>
+          </a:bodyPr>
           <a:lstStyle/>
           <a:p>
             <a:r>
               <a:rPr lang="en-US" dirty="0"/>
-              <a:t>Alphabet</a:t>
+              <a:t>Alphabet/ Word/ Occurrence</a:t>
             </a:r>
           </a:p>
           <a:p>
@@ -6656,23 +6882,16 @@
             </a:r>
           </a:p>
           <a:p>
+            <a:endParaRPr lang="en-US" dirty="0"/>
+          </a:p>
+          <a:p>
+            <a:r>
+              <a:rPr lang="en-US" b="1" dirty="0"/>
+              <a:t>Factor</a:t>
+            </a:r>
             <a:r>
               <a:rPr lang="en-US" dirty="0"/>
-              <a:t>Word : x=x[0]x[1]⋯x[n−1] word of length n=|x| </a:t>
-            </a:r>
-          </a:p>
-          <a:p>
-            <a:r>
-              <a:rPr lang="en-US" dirty="0"/>
-              <a:t>Occurrence of word </a:t>
-            </a:r>
-            <a:r>
-              <a:rPr lang="pl-PL" dirty="0"/>
-              <a:t>w=w[0]w[1]⋯w[m−1] 0&lt;m≤n</a:t>
-            </a:r>
-            <a:r>
-              <a:rPr lang="en-US" dirty="0"/>
-              <a:t> when w = x[</a:t>
+              <a:t> of x = substring of x from </a:t>
             </a:r>
             <a:r>
               <a:rPr lang="en-US" dirty="0" err="1"/>
@@ -6680,20 +6899,27 @@
             </a:r>
             <a:r>
               <a:rPr lang="en-US" dirty="0"/>
-              <a:t>… i+m-1]</a:t>
-            </a:r>
-          </a:p>
-          <a:p>
-            <a:endParaRPr lang="en-US" dirty="0"/>
+              <a:t> to j</a:t>
+            </a:r>
           </a:p>
           <a:p>
             <a:r>
               <a:rPr lang="en-US" b="1" dirty="0"/>
-              <a:t>Factor</a:t>
+              <a:t>Prefix</a:t>
             </a:r>
             <a:r>
               <a:rPr lang="en-US" dirty="0"/>
-              <a:t> of x = substring of x from </a:t>
+              <a:t> = factor that starts at position 0 (x[0…j]x[0…j]) </a:t>
+            </a:r>
+          </a:p>
+          <a:p>
+            <a:r>
+              <a:rPr lang="en-US" b="1" dirty="0"/>
+              <a:t>Suffix</a:t>
+            </a:r>
+            <a:r>
+              <a:rPr lang="en-US" dirty="0"/>
+              <a:t> = factor that ends at position n−1 (x[</a:t>
             </a:r>
             <a:r>
               <a:rPr lang="en-US" dirty="0" err="1"/>
@@ -6701,34 +6927,6 @@
             </a:r>
             <a:r>
               <a:rPr lang="en-US" dirty="0"/>
-              <a:t> to j</a:t>
-            </a:r>
-          </a:p>
-          <a:p>
-            <a:r>
-              <a:rPr lang="en-US" b="1" dirty="0"/>
-              <a:t>Prefix</a:t>
-            </a:r>
-            <a:r>
-              <a:rPr lang="en-US" dirty="0"/>
-              <a:t> = factor that starts at position 0 (x[0…j]x[0…j]) </a:t>
-            </a:r>
-          </a:p>
-          <a:p>
-            <a:r>
-              <a:rPr lang="en-US" b="1" dirty="0"/>
-              <a:t>Suffix</a:t>
-            </a:r>
-            <a:r>
-              <a:rPr lang="en-US" dirty="0"/>
-              <a:t> = factor that ends at position n−1 (x[</a:t>
-            </a:r>
-            <a:r>
-              <a:rPr lang="en-US" dirty="0" err="1"/>
-              <a:t>i</a:t>
-            </a:r>
-            <a:r>
-              <a:rPr lang="en-US" dirty="0"/>
               <a:t>…n−1])</a:t>
             </a:r>
           </a:p>
@@ -6740,6 +6938,38 @@
             <a:r>
               <a:rPr lang="en-US" dirty="0"/>
               <a:t> = factor that is neither a prefix nor a suffix of x</a:t>
+            </a:r>
+          </a:p>
+          <a:p>
+            <a:endParaRPr lang="en-US" dirty="0"/>
+          </a:p>
+          <a:p>
+            <a:r>
+              <a:rPr lang="en-US" b="1" dirty="0"/>
+              <a:t>Absent word </a:t>
+            </a:r>
+            <a:r>
+              <a:rPr lang="en-US" dirty="0"/>
+              <a:t>in a sequence = segment that doesn’t occur in the sequence</a:t>
+            </a:r>
+          </a:p>
+          <a:p>
+            <a:r>
+              <a:rPr lang="en-US" b="1" dirty="0"/>
+              <a:t>Minimal absent word </a:t>
+            </a:r>
+            <a:r>
+              <a:rPr lang="en-US" dirty="0"/>
+              <a:t>= all its proper factors occur in given sequence</a:t>
+            </a:r>
+          </a:p>
+          <a:p>
+            <a:endParaRPr lang="en-US" dirty="0"/>
+          </a:p>
+          <a:p>
+            <a:r>
+              <a:rPr lang="en-US" dirty="0"/>
+              <a:t>Word-depth of node v : D(v)=|L(v)| </a:t>
             </a:r>
           </a:p>
           <a:p>
@@ -6790,7 +7020,12 @@
             <p:ph type="title"/>
           </p:nvPr>
         </p:nvSpPr>
-        <p:spPr/>
+        <p:spPr>
+          <a:xfrm>
+            <a:off x="1069848" y="484632"/>
+            <a:ext cx="10058400" cy="1211501"/>
+          </a:xfrm>
+        </p:spPr>
         <p:txBody>
           <a:bodyPr/>
           <a:lstStyle/>
@@ -6829,6 +7064,32 @@
           </a:p>
         </p:txBody>
       </p:sp>
+      <p:pic>
+        <p:nvPicPr>
+          <p:cNvPr id="20" name="Content Placeholder 19"/>
+          <p:cNvPicPr>
+            <a:picLocks noGrp="1" noChangeAspect="1"/>
+          </p:cNvPicPr>
+          <p:nvPr>
+            <p:ph sz="half" idx="2"/>
+          </p:nvPr>
+        </p:nvPicPr>
+        <p:blipFill>
+          <a:blip r:embed="rId2"/>
+          <a:stretch>
+            <a:fillRect/>
+          </a:stretch>
+        </p:blipFill>
+        <p:spPr>
+          <a:xfrm>
+            <a:off x="178278" y="2576423"/>
+            <a:ext cx="5382883" cy="820424"/>
+          </a:xfrm>
+          <a:prstGeom prst="rect">
+            <a:avLst/>
+          </a:prstGeom>
+        </p:spPr>
+      </p:pic>
       <p:sp>
         <p:nvSpPr>
           <p:cNvPr id="18" name="Rectangle 1"/>
@@ -7057,32 +7318,6 @@
           </a:p>
         </p:txBody>
       </p:sp>
-      <p:pic>
-        <p:nvPicPr>
-          <p:cNvPr id="20" name="Content Placeholder 19"/>
-          <p:cNvPicPr>
-            <a:picLocks noGrp="1" noChangeAspect="1"/>
-          </p:cNvPicPr>
-          <p:nvPr>
-            <p:ph sz="half" idx="2"/>
-          </p:nvPr>
-        </p:nvPicPr>
-        <p:blipFill>
-          <a:blip r:embed="rId2"/>
-          <a:stretch>
-            <a:fillRect/>
-          </a:stretch>
-        </p:blipFill>
-        <p:spPr>
-          <a:xfrm>
-            <a:off x="178278" y="2576423"/>
-            <a:ext cx="5382883" cy="820424"/>
-          </a:xfrm>
-          <a:prstGeom prst="rect">
-            <a:avLst/>
-          </a:prstGeom>
-        </p:spPr>
-      </p:pic>
       <p:pic>
         <p:nvPicPr>
           <p:cNvPr id="22" name="Content Placeholder 21"/>
@@ -7191,7 +7426,12 @@
             <p:ph type="title"/>
           </p:nvPr>
         </p:nvSpPr>
-        <p:spPr/>
+        <p:spPr>
+          <a:xfrm>
+            <a:off x="1069848" y="484632"/>
+            <a:ext cx="10058400" cy="1282753"/>
+          </a:xfrm>
+        </p:spPr>
         <p:txBody>
           <a:bodyPr/>
           <a:lstStyle/>
@@ -7269,7 +7509,12 @@
             <p:ph type="title"/>
           </p:nvPr>
         </p:nvSpPr>
-        <p:spPr/>
+        <p:spPr>
+          <a:xfrm>
+            <a:off x="327546" y="484633"/>
+            <a:ext cx="10800702" cy="805080"/>
+          </a:xfrm>
+        </p:spPr>
         <p:txBody>
           <a:bodyPr/>
           <a:lstStyle/>
@@ -7281,100 +7526,81 @@
           </a:p>
         </p:txBody>
       </p:sp>
+      <p:sp>
+        <p:nvSpPr>
+          <p:cNvPr id="8" name="Content Placeholder 7"/>
+          <p:cNvSpPr>
+            <a:spLocks noGrp="1"/>
+          </p:cNvSpPr>
+          <p:nvPr>
+            <p:ph sz="half" idx="2"/>
+          </p:nvPr>
+        </p:nvSpPr>
+        <p:spPr>
+          <a:xfrm>
+            <a:off x="7397087" y="2558955"/>
+            <a:ext cx="4420571" cy="3480178"/>
+          </a:xfrm>
+        </p:spPr>
+        <p:txBody>
+          <a:bodyPr/>
+          <a:lstStyle/>
+          <a:p>
+            <a:r>
+              <a:rPr lang="en-US" dirty="0"/>
+              <a:t>Implicit/explicit nodes</a:t>
+            </a:r>
+          </a:p>
+          <a:p>
+            <a:r>
+              <a:rPr lang="en-US" dirty="0"/>
+              <a:t>Word depth</a:t>
+            </a:r>
+          </a:p>
+          <a:p>
+            <a:r>
+              <a:rPr lang="en-US" dirty="0"/>
+              <a:t>Terminal node</a:t>
+            </a:r>
+          </a:p>
+          <a:p>
+            <a:r>
+              <a:rPr lang="en-US" dirty="0"/>
+              <a:t>Suffix link</a:t>
+            </a:r>
+          </a:p>
+          <a:p>
+            <a:r>
+              <a:rPr lang="en-US" dirty="0"/>
+              <a:t>Child(v, a)</a:t>
+            </a:r>
+          </a:p>
+        </p:txBody>
+      </p:sp>
       <p:pic>
         <p:nvPicPr>
-          <p:cNvPr id="4098" name="Picture 2" descr="http://media.springernature.com/full/springer-static/image/art%3A10.1186%2Fs13015-017-0094-z/MediaObjects/13015_2017_94_Fig1_HTML.gif"/>
+          <p:cNvPr id="4" name="Picture 3"/>
           <p:cNvPicPr>
-            <a:picLocks noGrp="1" noChangeAspect="1" noChangeArrowheads="1"/>
+            <a:picLocks noChangeAspect="1"/>
           </p:cNvPicPr>
-          <p:nvPr>
-            <p:ph sz="quarter" idx="4"/>
-          </p:nvPr>
+          <p:nvPr/>
         </p:nvPicPr>
         <p:blipFill>
-          <a:blip r:embed="rId2">
-            <a:extLst>
-              <a:ext uri="{28A0092B-C50C-407E-A947-70E740481C1C}">
-                <a14:useLocalDpi xmlns:a14="http://schemas.microsoft.com/office/drawing/2010/main" val="0"/>
-              </a:ext>
-            </a:extLst>
-          </a:blip>
-          <a:srcRect/>
+          <a:blip r:embed="rId2"/>
           <a:stretch>
             <a:fillRect/>
           </a:stretch>
         </p:blipFill>
-        <p:spPr bwMode="auto">
+        <p:spPr>
           <a:xfrm>
-            <a:off x="3001992" y="1423085"/>
-            <a:ext cx="6814868" cy="2867117"/>
+            <a:off x="1" y="2238232"/>
+            <a:ext cx="6974006" cy="4619767"/>
           </a:xfrm>
           <a:prstGeom prst="rect">
             <a:avLst/>
           </a:prstGeom>
-          <a:noFill/>
-          <a:extLst>
-            <a:ext uri="{909E8E84-426E-40DD-AFC4-6F175D3DCCD1}">
-              <a14:hiddenFill xmlns:a14="http://schemas.microsoft.com/office/drawing/2010/main">
-                <a:solidFill>
-                  <a:srgbClr val="FFFFFF"/>
-                </a:solidFill>
-              </a14:hiddenFill>
-            </a:ext>
-          </a:extLst>
         </p:spPr>
       </p:pic>
-      <p:sp>
-        <p:nvSpPr>
-          <p:cNvPr id="8" name="Content Placeholder 7"/>
-          <p:cNvSpPr>
-            <a:spLocks noGrp="1"/>
-          </p:cNvSpPr>
-          <p:nvPr>
-            <p:ph sz="half" idx="2"/>
-          </p:nvPr>
-        </p:nvSpPr>
-        <p:spPr>
-          <a:xfrm>
-            <a:off x="230039" y="2070339"/>
-            <a:ext cx="4631330" cy="3971023"/>
-          </a:xfrm>
-        </p:spPr>
-        <p:txBody>
-          <a:bodyPr/>
-          <a:lstStyle/>
-          <a:p>
-            <a:r>
-              <a:rPr lang="en-US" dirty="0"/>
-              <a:t>Implicit/explicit nodes</a:t>
-            </a:r>
-          </a:p>
-          <a:p>
-            <a:r>
-              <a:rPr lang="en-US" dirty="0"/>
-              <a:t>Word depth</a:t>
-            </a:r>
-          </a:p>
-          <a:p>
-            <a:r>
-              <a:rPr lang="en-US" dirty="0"/>
-              <a:t>Terminal node</a:t>
-            </a:r>
-          </a:p>
-          <a:p>
-            <a:r>
-              <a:rPr lang="en-US" dirty="0"/>
-              <a:t>Suffix link</a:t>
-            </a:r>
-          </a:p>
-          <a:p>
-            <a:r>
-              <a:rPr lang="en-US" dirty="0"/>
-              <a:t>Child(v, a)</a:t>
-            </a:r>
-          </a:p>
-        </p:txBody>
-      </p:sp>
     </p:spTree>
     <p:extLst>
       <p:ext uri="{BB962C8B-B14F-4D97-AF65-F5344CB8AC3E}">
@@ -7559,7 +7785,12 @@
             <p:ph type="title"/>
           </p:nvPr>
         </p:nvSpPr>
-        <p:spPr/>
+        <p:spPr>
+          <a:xfrm>
+            <a:off x="1069848" y="484632"/>
+            <a:ext cx="10058400" cy="1057565"/>
+          </a:xfrm>
+        </p:spPr>
         <p:txBody>
           <a:bodyPr/>
           <a:lstStyle/>
@@ -7652,7 +7883,12 @@
             <p:ph type="title"/>
           </p:nvPr>
         </p:nvSpPr>
-        <p:spPr/>
+        <p:spPr>
+          <a:xfrm>
+            <a:off x="1069848" y="484632"/>
+            <a:ext cx="10058400" cy="880144"/>
+          </a:xfrm>
+        </p:spPr>
         <p:txBody>
           <a:bodyPr/>
           <a:lstStyle/>
